--- a/Presentación/template.pptx
+++ b/Presentación/template.pptx
@@ -1,17 +1,17 @@
 
 <file path=ppt/presentation.xml><?xml version="1.0" encoding="utf-8"?>
-<p:presentation xmlns:a="http://schemas.openxmlformats.org/drawingml/2006/main" xmlns:r="http://schemas.openxmlformats.org/officeDocument/2006/relationships" xmlns:p="http://schemas.openxmlformats.org/presentationml/2006/main" saveSubsetFonts="1">
+<p:presentation xmlns:a="http://schemas.openxmlformats.org/drawingml/2006/main" xmlns:r="http://schemas.openxmlformats.org/officeDocument/2006/relationships" xmlns:p="http://schemas.openxmlformats.org/presentationml/2006/main">
   <p:sldMasterIdLst>
-    <p:sldMasterId id="2147483678" r:id="rId1"/>
+    <p:sldMasterId id="2147483648" r:id="rId1"/>
   </p:sldMasterIdLst>
   <p:notesMasterIdLst>
-    <p:notesMasterId r:id="rId3"/>
+    <p:notesMasterId r:id="rId4"/>
   </p:notesMasterIdLst>
   <p:handoutMasterIdLst>
-    <p:handoutMasterId r:id="rId4"/>
+    <p:handoutMasterId r:id="rId5"/>
   </p:handoutMasterIdLst>
   <p:sldIdLst>
-    <p:sldId id="256" r:id="rId2"/>
+    <p:sldId id="256" r:id="rId3"/>
   </p:sldIdLst>
   <p:sldSz cx="9144000" cy="5715000" type="screen16x10"/>
   <p:notesSz cx="9144000" cy="6858000"/>
@@ -110,36 +110,6 @@
       </a:defRPr>
     </a:lvl9pPr>
   </p:defaultTextStyle>
-  <p:extLst>
-    <p:ext uri="{EFAFB233-063F-42B5-8137-9DF3F51BA10A}">
-      <p15:sldGuideLst xmlns:p15="http://schemas.microsoft.com/office/powerpoint/2012/main">
-        <p15:guide id="1" orient="horz" pos="1800" userDrawn="1">
-          <p15:clr>
-            <a:srgbClr val="A4A3A4"/>
-          </p15:clr>
-        </p15:guide>
-        <p15:guide id="2" pos="2880" userDrawn="1">
-          <p15:clr>
-            <a:srgbClr val="A4A3A4"/>
-          </p15:clr>
-        </p15:guide>
-      </p15:sldGuideLst>
-    </p:ext>
-    <p:ext uri="{2D200454-40CA-4A62-9FC3-DE9A4176ACB9}">
-      <p15:notesGuideLst xmlns:p15="http://schemas.microsoft.com/office/powerpoint/2012/main">
-        <p15:guide id="1" orient="horz" pos="2160">
-          <p15:clr>
-            <a:srgbClr val="A4A3A4"/>
-          </p15:clr>
-        </p15:guide>
-        <p15:guide id="2" pos="2880">
-          <p15:clr>
-            <a:srgbClr val="A4A3A4"/>
-          </p15:clr>
-        </p15:guide>
-      </p15:notesGuideLst>
-    </p:ext>
-  </p:extLst>
 </p:presentation>
 </file>
 
@@ -225,7 +195,6 @@
           <a:p>
             <a:fld id="{0ABAD0EA-A85A-4CC3-87AD-A63C5AC0C575}" type="datetimeFigureOut">
               <a:rPr lang="es-AR" smtClean="0"/>
-              <a:t>14/10/2018</a:t>
             </a:fld>
             <a:endParaRPr lang="es-AR"/>
           </a:p>
@@ -291,7 +260,6 @@
           <a:p>
             <a:fld id="{DA5AFF8A-FD4B-4F25-9E62-1B270A15F0C8}" type="slidenum">
               <a:rPr lang="es-AR" smtClean="0"/>
-              <a:t>‹#›</a:t>
             </a:fld>
             <a:endParaRPr lang="es-AR"/>
           </a:p>
@@ -386,6 +354,7 @@
               <a:rPr lang="en-US"/>
               <a:t>Click to edit Master text styles</a:t>
             </a:r>
+            <a:endParaRPr lang="en-US"/>
           </a:p>
           <a:p>
             <a:pPr lvl="1"/>
@@ -393,6 +362,7 @@
               <a:rPr lang="en-US"/>
               <a:t>Second level</a:t>
             </a:r>
+            <a:endParaRPr lang="en-US"/>
           </a:p>
           <a:p>
             <a:pPr lvl="2"/>
@@ -400,6 +370,7 @@
               <a:rPr lang="en-US"/>
               <a:t>Third level</a:t>
             </a:r>
+            <a:endParaRPr lang="en-US"/>
           </a:p>
           <a:p>
             <a:pPr lvl="3"/>
@@ -407,6 +378,7 @@
               <a:rPr lang="en-US"/>
               <a:t>Fourth level</a:t>
             </a:r>
+            <a:endParaRPr lang="en-US"/>
           </a:p>
           <a:p>
             <a:pPr lvl="4"/>
@@ -447,7 +419,6 @@
           <a:p>
             <a:fld id="{1E238065-DE38-4E1F-8FC6-4F9459B13AE4}" type="slidenum">
               <a:rPr lang="en-GB" smtClean="0"/>
-              <a:t>‹#›</a:t>
             </a:fld>
             <a:endParaRPr lang="en-GB"/>
           </a:p>
@@ -666,11 +637,6 @@
         </p:txBody>
       </p:sp>
     </p:spTree>
-    <p:extLst>
-      <p:ext uri="{BB962C8B-B14F-4D97-AF65-F5344CB8AC3E}">
-        <p14:creationId xmlns:p14="http://schemas.microsoft.com/office/powerpoint/2010/main" val="1786660217"/>
-      </p:ext>
-    </p:extLst>
   </p:cSld>
   <p:clrMapOvr>
     <a:masterClrMapping/>
@@ -738,6 +704,7 @@
               <a:rPr lang="en-US"/>
               <a:t>Edit Master text styles</a:t>
             </a:r>
+            <a:endParaRPr lang="en-US"/>
           </a:p>
           <a:p>
             <a:pPr lvl="1"/>
@@ -745,6 +712,7 @@
               <a:rPr lang="en-US"/>
               <a:t>Second level</a:t>
             </a:r>
+            <a:endParaRPr lang="en-US"/>
           </a:p>
           <a:p>
             <a:pPr lvl="2"/>
@@ -752,6 +720,7 @@
               <a:rPr lang="en-US"/>
               <a:t>Third level</a:t>
             </a:r>
+            <a:endParaRPr lang="en-US"/>
           </a:p>
           <a:p>
             <a:pPr lvl="3"/>
@@ -759,6 +728,7 @@
               <a:rPr lang="en-US"/>
               <a:t>Fourth level</a:t>
             </a:r>
+            <a:endParaRPr lang="en-US"/>
           </a:p>
           <a:p>
             <a:pPr lvl="4"/>
@@ -795,7 +765,6 @@
           <a:p>
             <a:fld id="{5FE5D985-BC1F-4337-995C-A08BC27D9752}" type="datetimeFigureOut">
               <a:rPr lang="es-AR" smtClean="0"/>
-              <a:t>14/10/2018</a:t>
             </a:fld>
             <a:endParaRPr lang="es-AR"/>
           </a:p>
@@ -853,18 +822,12 @@
           <a:p>
             <a:fld id="{978E83EA-3671-4475-93F4-CFBDCD4C1007}" type="slidenum">
               <a:rPr lang="es-AR" smtClean="0"/>
-              <a:t>‹#›</a:t>
             </a:fld>
             <a:endParaRPr lang="es-AR"/>
           </a:p>
         </p:txBody>
       </p:sp>
     </p:spTree>
-    <p:extLst>
-      <p:ext uri="{BB962C8B-B14F-4D97-AF65-F5344CB8AC3E}">
-        <p14:creationId xmlns:p14="http://schemas.microsoft.com/office/powerpoint/2010/main" val="2291224854"/>
-      </p:ext>
-    </p:extLst>
   </p:cSld>
   <p:clrMapOvr>
     <a:masterClrMapping/>
@@ -942,6 +905,7 @@
               <a:rPr lang="en-US"/>
               <a:t>Edit Master text styles</a:t>
             </a:r>
+            <a:endParaRPr lang="en-US"/>
           </a:p>
           <a:p>
             <a:pPr lvl="1"/>
@@ -949,6 +913,7 @@
               <a:rPr lang="en-US"/>
               <a:t>Second level</a:t>
             </a:r>
+            <a:endParaRPr lang="en-US"/>
           </a:p>
           <a:p>
             <a:pPr lvl="2"/>
@@ -956,6 +921,7 @@
               <a:rPr lang="en-US"/>
               <a:t>Third level</a:t>
             </a:r>
+            <a:endParaRPr lang="en-US"/>
           </a:p>
           <a:p>
             <a:pPr lvl="3"/>
@@ -963,6 +929,7 @@
               <a:rPr lang="en-US"/>
               <a:t>Fourth level</a:t>
             </a:r>
+            <a:endParaRPr lang="en-US"/>
           </a:p>
           <a:p>
             <a:pPr lvl="4"/>
@@ -999,7 +966,6 @@
           <a:p>
             <a:fld id="{5FE5D985-BC1F-4337-995C-A08BC27D9752}" type="datetimeFigureOut">
               <a:rPr lang="es-AR" smtClean="0"/>
-              <a:t>14/10/2018</a:t>
             </a:fld>
             <a:endParaRPr lang="es-AR"/>
           </a:p>
@@ -1057,18 +1023,12 @@
           <a:p>
             <a:fld id="{978E83EA-3671-4475-93F4-CFBDCD4C1007}" type="slidenum">
               <a:rPr lang="es-AR" smtClean="0"/>
-              <a:t>‹#›</a:t>
             </a:fld>
             <a:endParaRPr lang="es-AR"/>
           </a:p>
         </p:txBody>
       </p:sp>
     </p:spTree>
-    <p:extLst>
-      <p:ext uri="{BB962C8B-B14F-4D97-AF65-F5344CB8AC3E}">
-        <p14:creationId xmlns:p14="http://schemas.microsoft.com/office/powerpoint/2010/main" val="4256953350"/>
-      </p:ext>
-    </p:extLst>
   </p:cSld>
   <p:clrMapOvr>
     <a:masterClrMapping/>
@@ -1095,13 +1055,7 @@
       </p:grpSpPr>
       <p:sp>
         <p:nvSpPr>
-          <p:cNvPr id="2" name="Title 1">
-            <a:extLst>
-              <a:ext uri="{FF2B5EF4-FFF2-40B4-BE49-F238E27FC236}">
-                <a16:creationId xmlns:a16="http://schemas.microsoft.com/office/drawing/2014/main" id="{ADC691CB-66F3-4618-BAE5-5E7A65ABE07E}"/>
-              </a:ext>
-            </a:extLst>
-          </p:cNvPr>
+          <p:cNvPr id="2" name="Title 1"/>
           <p:cNvSpPr>
             <a:spLocks noGrp="1"/>
           </p:cNvSpPr>
@@ -1127,18 +1081,13 @@
               <a:rPr lang="en-US"/>
               <a:t>Click to edit Master title style</a:t>
             </a:r>
-          </a:p>
-        </p:txBody>
-      </p:sp>
-      <p:sp>
-        <p:nvSpPr>
-          <p:cNvPr id="8" name="Picture Placeholder 7">
-            <a:extLst>
-              <a:ext uri="{FF2B5EF4-FFF2-40B4-BE49-F238E27FC236}">
-                <a16:creationId xmlns:a16="http://schemas.microsoft.com/office/drawing/2014/main" id="{7CF85070-6258-48B0-AC26-664D64DC190A}"/>
-              </a:ext>
-            </a:extLst>
-          </p:cNvPr>
+            <a:endParaRPr lang="en-US"/>
+          </a:p>
+        </p:txBody>
+      </p:sp>
+      <p:sp>
+        <p:nvSpPr>
+          <p:cNvPr id="8" name="Picture Placeholder 7"/>
           <p:cNvSpPr>
             <a:spLocks noGrp="1"/>
           </p:cNvSpPr>
@@ -1162,13 +1111,7 @@
       </p:sp>
       <p:sp>
         <p:nvSpPr>
-          <p:cNvPr id="10" name="Text Placeholder 9">
-            <a:extLst>
-              <a:ext uri="{FF2B5EF4-FFF2-40B4-BE49-F238E27FC236}">
-                <a16:creationId xmlns:a16="http://schemas.microsoft.com/office/drawing/2014/main" id="{B0C90D25-ABA8-42FA-94B9-3158732F26F4}"/>
-              </a:ext>
-            </a:extLst>
-          </p:cNvPr>
+          <p:cNvPr id="10" name="Text Placeholder 9"/>
           <p:cNvSpPr>
             <a:spLocks noGrp="1"/>
           </p:cNvSpPr>
@@ -1188,19 +1131,19 @@
           </a:bodyPr>
           <a:lstStyle>
             <a:lvl1pPr>
-              <a:defRPr sz="1222"/>
+              <a:defRPr sz="1220"/>
             </a:lvl1pPr>
             <a:lvl2pPr>
-              <a:defRPr sz="1222"/>
+              <a:defRPr sz="1220"/>
             </a:lvl2pPr>
             <a:lvl3pPr>
-              <a:defRPr sz="1222"/>
+              <a:defRPr sz="1220"/>
             </a:lvl3pPr>
             <a:lvl4pPr>
-              <a:defRPr sz="1222"/>
+              <a:defRPr sz="1220"/>
             </a:lvl4pPr>
             <a:lvl5pPr>
-              <a:defRPr sz="1222"/>
+              <a:defRPr sz="1220"/>
             </a:lvl5pPr>
           </a:lstStyle>
           <a:p>
@@ -1209,6 +1152,7 @@
               <a:rPr lang="en-US"/>
               <a:t>Edit Master text styles</a:t>
             </a:r>
+            <a:endParaRPr lang="en-US"/>
           </a:p>
           <a:p>
             <a:pPr lvl="1"/>
@@ -1216,6 +1160,7 @@
               <a:rPr lang="en-US"/>
               <a:t>Second level</a:t>
             </a:r>
+            <a:endParaRPr lang="en-US"/>
           </a:p>
           <a:p>
             <a:pPr lvl="2"/>
@@ -1223,6 +1168,7 @@
               <a:rPr lang="en-US"/>
               <a:t>Third level</a:t>
             </a:r>
+            <a:endParaRPr lang="en-US"/>
           </a:p>
           <a:p>
             <a:pPr lvl="3"/>
@@ -1230,6 +1176,7 @@
               <a:rPr lang="en-US"/>
               <a:t>Fourth level</a:t>
             </a:r>
+            <a:endParaRPr lang="en-US"/>
           </a:p>
           <a:p>
             <a:pPr lvl="4"/>
@@ -1237,15 +1184,11 @@
               <a:rPr lang="en-US"/>
               <a:t>Fifth level</a:t>
             </a:r>
+            <a:endParaRPr lang="en-US"/>
           </a:p>
         </p:txBody>
       </p:sp>
     </p:spTree>
-    <p:extLst>
-      <p:ext uri="{BB962C8B-B14F-4D97-AF65-F5344CB8AC3E}">
-        <p14:creationId xmlns:p14="http://schemas.microsoft.com/office/powerpoint/2010/main" val="4168534071"/>
-      </p:ext>
-    </p:extLst>
   </p:cSld>
   <p:clrMapOvr>
     <a:masterClrMapping/>
@@ -1272,13 +1215,7 @@
       </p:grpSpPr>
       <p:sp>
         <p:nvSpPr>
-          <p:cNvPr id="2" name="Title 1">
-            <a:extLst>
-              <a:ext uri="{FF2B5EF4-FFF2-40B4-BE49-F238E27FC236}">
-                <a16:creationId xmlns:a16="http://schemas.microsoft.com/office/drawing/2014/main" id="{AACC7084-094F-490E-8378-E3A862E0BEB3}"/>
-              </a:ext>
-            </a:extLst>
-          </p:cNvPr>
+          <p:cNvPr id="2" name="Title 1"/>
           <p:cNvSpPr>
             <a:spLocks noGrp="1"/>
           </p:cNvSpPr>
@@ -1300,15 +1237,11 @@
               <a:rPr lang="en-US"/>
               <a:t>Click to edit Master title style</a:t>
             </a:r>
+            <a:endParaRPr lang="en-US"/>
           </a:p>
         </p:txBody>
       </p:sp>
     </p:spTree>
-    <p:extLst>
-      <p:ext uri="{BB962C8B-B14F-4D97-AF65-F5344CB8AC3E}">
-        <p14:creationId xmlns:p14="http://schemas.microsoft.com/office/powerpoint/2010/main" val="2253876410"/>
-      </p:ext>
-    </p:extLst>
   </p:cSld>
   <p:clrMapOvr>
     <a:masterClrMapping/>
@@ -1355,11 +1288,12 @@
           </a:bodyPr>
           <a:lstStyle>
             <a:lvl1pPr algn="l">
-              <a:defRPr sz="4444" b="0" i="0" cap="small" baseline="0">
+              <a:defRPr sz="4445" b="0" i="0" cap="small" baseline="0">
                 <a:solidFill>
                   <a:schemeClr val="tx1"/>
                 </a:solidFill>
-                <a:latin typeface="Gotham Book" pitchFamily="50" charset="0"/>
+                <a:latin typeface="Gotham Light" charset="0"/>
+                <a:cs typeface="Gotham Light" charset="0"/>
               </a:defRPr>
             </a:lvl1pPr>
           </a:lstStyle>
@@ -1368,6 +1302,7 @@
               <a:rPr lang="es-AR" dirty="0"/>
               <a:t>TÍTULO DE LA PRESENTACIÓN</a:t>
             </a:r>
+            <a:endParaRPr lang="es-AR" dirty="0"/>
           </a:p>
         </p:txBody>
       </p:sp>
@@ -1438,10 +1373,11 @@
         <p:txBody>
           <a:bodyPr/>
           <a:lstStyle>
-            <a:lvl1pPr marL="706" indent="0" algn="r">
+            <a:lvl1pPr marL="635" indent="0" algn="r">
               <a:buNone/>
               <a:defRPr>
-                <a:latin typeface="+mn-lt"/>
+                <a:latin typeface="Gotham Light" charset="0"/>
+                <a:cs typeface="Gotham Light" charset="0"/>
               </a:defRPr>
             </a:lvl1pPr>
           </a:lstStyle>
@@ -1458,9 +1394,7 @@
       <p:cxnSp>
         <p:nvCxnSpPr>
           <p:cNvPr id="14" name="Straight Connector 13"/>
-          <p:cNvCxnSpPr>
-            <a:cxnSpLocks/>
-          </p:cNvCxnSpPr>
+          <p:cNvCxnSpPr/>
           <p:nvPr userDrawn="1"/>
         </p:nvCxnSpPr>
         <p:spPr>
@@ -1495,9 +1429,7 @@
       <p:cxnSp>
         <p:nvCxnSpPr>
           <p:cNvPr id="9" name="Straight Connector 8"/>
-          <p:cNvCxnSpPr>
-            <a:cxnSpLocks/>
-          </p:cNvCxnSpPr>
+          <p:cNvCxnSpPr/>
           <p:nvPr userDrawn="1"/>
         </p:nvCxnSpPr>
         <p:spPr>
@@ -1610,9 +1542,7 @@
       <p:cxnSp>
         <p:nvCxnSpPr>
           <p:cNvPr id="7" name="Straight Connector 6"/>
-          <p:cNvCxnSpPr>
-            <a:cxnSpLocks/>
-          </p:cNvCxnSpPr>
+          <p:cNvCxnSpPr/>
           <p:nvPr userDrawn="1"/>
         </p:nvCxnSpPr>
         <p:spPr>
@@ -1665,10 +1595,11 @@
             <a:normAutofit/>
           </a:bodyPr>
           <a:lstStyle>
-            <a:lvl1pPr marL="706" indent="0">
-              <a:buNone/>
-              <a:defRPr sz="3556" cap="small" baseline="0">
-                <a:latin typeface="Gotham Book" pitchFamily="50" charset="0"/>
+            <a:lvl1pPr marL="635" indent="0">
+              <a:buNone/>
+              <a:defRPr sz="3555" cap="small" baseline="0">
+                <a:latin typeface="Gotham Light" charset="0"/>
+                <a:cs typeface="Gotham Light" charset="0"/>
               </a:defRPr>
             </a:lvl1pPr>
           </a:lstStyle>
@@ -1678,6 +1609,7 @@
               <a:rPr lang="en-GB" dirty="0"/>
               <a:t>SUBTÍTULO</a:t>
             </a:r>
+            <a:endParaRPr lang="en-GB" dirty="0"/>
           </a:p>
         </p:txBody>
       </p:sp>
@@ -1835,9 +1767,7 @@
       <p:cxnSp>
         <p:nvCxnSpPr>
           <p:cNvPr id="7" name="Straight Connector 6"/>
-          <p:cNvCxnSpPr>
-            <a:cxnSpLocks/>
-          </p:cNvCxnSpPr>
+          <p:cNvCxnSpPr/>
           <p:nvPr userDrawn="1"/>
         </p:nvCxnSpPr>
         <p:spPr>
@@ -1881,7 +1811,7 @@
         </p:nvSpPr>
         <p:spPr>
           <a:xfrm>
-            <a:off x="322068" y="217210"/>
+            <a:off x="322703" y="217210"/>
             <a:ext cx="5042025" cy="640071"/>
           </a:xfrm>
         </p:spPr>
@@ -1890,11 +1820,11 @@
             <a:normAutofit/>
           </a:bodyPr>
           <a:lstStyle>
-            <a:lvl1pPr marL="706" indent="0">
-              <a:buNone/>
-              <a:defRPr sz="3556" cap="none" baseline="0">
-                <a:latin typeface="Fira Code" pitchFamily="49" charset="0"/>
-                <a:ea typeface="Fira Code" pitchFamily="49" charset="0"/>
+            <a:lvl1pPr marL="635" indent="0">
+              <a:buNone/>
+              <a:defRPr sz="3555" cap="none" baseline="0">
+                <a:latin typeface="Fira Code" panose="020B0609050000020004" pitchFamily="49" charset="0"/>
+                <a:ea typeface="Fira Code" panose="020B0609050000020004" pitchFamily="49" charset="0"/>
               </a:defRPr>
             </a:lvl1pPr>
           </a:lstStyle>
@@ -1908,6 +1838,7 @@
               <a:rPr lang="en-GB" dirty="0"/>
               <a:t>()</a:t>
             </a:r>
+            <a:endParaRPr lang="en-GB" dirty="0"/>
           </a:p>
         </p:txBody>
       </p:sp>
@@ -2100,33 +2031,33 @@
                 <a:latin typeface="Arial Black" pitchFamily="34" charset="0"/>
               </a:defRPr>
             </a:lvl1pPr>
-            <a:lvl2pPr marL="380992" indent="0">
-              <a:buNone/>
-              <a:defRPr sz="3333">
+            <a:lvl2pPr marL="381000" indent="0">
+              <a:buNone/>
+              <a:defRPr sz="3335">
                 <a:solidFill>
                   <a:schemeClr val="bg1"/>
                 </a:solidFill>
               </a:defRPr>
             </a:lvl2pPr>
-            <a:lvl3pPr marL="761985" indent="0">
-              <a:buNone/>
-              <a:defRPr sz="3333">
+            <a:lvl3pPr marL="762000" indent="0">
+              <a:buNone/>
+              <a:defRPr sz="3335">
                 <a:solidFill>
                   <a:schemeClr val="bg1"/>
                 </a:solidFill>
               </a:defRPr>
             </a:lvl3pPr>
-            <a:lvl4pPr marL="1142977" indent="0">
-              <a:buNone/>
-              <a:defRPr sz="3333">
+            <a:lvl4pPr marL="1143000" indent="0">
+              <a:buNone/>
+              <a:defRPr sz="3335">
                 <a:solidFill>
                   <a:schemeClr val="bg1"/>
                 </a:solidFill>
               </a:defRPr>
             </a:lvl4pPr>
-            <a:lvl5pPr marL="1523970" indent="0">
-              <a:buNone/>
-              <a:defRPr sz="3333">
+            <a:lvl5pPr marL="1524000" indent="0">
+              <a:buNone/>
+              <a:defRPr sz="3335">
                 <a:solidFill>
                   <a:schemeClr val="bg1"/>
                 </a:solidFill>
@@ -2166,21 +2097,21 @@
           <a:lstStyle>
             <a:lvl1pPr marL="0" indent="0">
               <a:buNone/>
-              <a:defRPr sz="2333"/>
+              <a:defRPr sz="2335"/>
             </a:lvl1pPr>
-            <a:lvl2pPr marL="380992" indent="0">
+            <a:lvl2pPr marL="381000" indent="0">
               <a:buNone/>
               <a:defRPr/>
             </a:lvl2pPr>
-            <a:lvl3pPr marL="761985" indent="0">
+            <a:lvl3pPr marL="762000" indent="0">
               <a:buNone/>
               <a:defRPr/>
             </a:lvl3pPr>
-            <a:lvl4pPr marL="1142977" indent="0">
+            <a:lvl4pPr marL="1143000" indent="0">
               <a:buNone/>
               <a:defRPr/>
             </a:lvl4pPr>
-            <a:lvl5pPr marL="1523970" indent="0">
+            <a:lvl5pPr marL="1524000" indent="0">
               <a:buNone/>
               <a:defRPr/>
             </a:lvl5pPr>
@@ -2321,6 +2252,7 @@
               <a:rPr lang="en-US"/>
               <a:t>Edit Master text styles</a:t>
             </a:r>
+            <a:endParaRPr lang="en-US"/>
           </a:p>
           <a:p>
             <a:pPr lvl="1"/>
@@ -2328,6 +2260,7 @@
               <a:rPr lang="en-US"/>
               <a:t>Second level</a:t>
             </a:r>
+            <a:endParaRPr lang="en-US"/>
           </a:p>
           <a:p>
             <a:pPr lvl="2"/>
@@ -2335,6 +2268,7 @@
               <a:rPr lang="en-US"/>
               <a:t>Third level</a:t>
             </a:r>
+            <a:endParaRPr lang="en-US"/>
           </a:p>
           <a:p>
             <a:pPr lvl="3"/>
@@ -2342,6 +2276,7 @@
               <a:rPr lang="en-US"/>
               <a:t>Fourth level</a:t>
             </a:r>
+            <a:endParaRPr lang="en-US"/>
           </a:p>
           <a:p>
             <a:pPr lvl="4"/>
@@ -2354,11 +2289,6 @@
         </p:txBody>
       </p:sp>
     </p:spTree>
-    <p:extLst>
-      <p:ext uri="{BB962C8B-B14F-4D97-AF65-F5344CB8AC3E}">
-        <p14:creationId xmlns:p14="http://schemas.microsoft.com/office/powerpoint/2010/main" val="331485645"/>
-      </p:ext>
-    </p:extLst>
   </p:cSld>
   <p:clrMapOvr>
     <a:masterClrMapping/>
@@ -2477,33 +2407,33 @@
                 <a:latin typeface="Arial Black" pitchFamily="34" charset="0"/>
               </a:defRPr>
             </a:lvl1pPr>
-            <a:lvl2pPr marL="380992" indent="0">
-              <a:buNone/>
-              <a:defRPr sz="3333">
+            <a:lvl2pPr marL="381000" indent="0">
+              <a:buNone/>
+              <a:defRPr sz="3335">
                 <a:solidFill>
                   <a:schemeClr val="bg1"/>
                 </a:solidFill>
               </a:defRPr>
             </a:lvl2pPr>
-            <a:lvl3pPr marL="761985" indent="0">
-              <a:buNone/>
-              <a:defRPr sz="3333">
+            <a:lvl3pPr marL="762000" indent="0">
+              <a:buNone/>
+              <a:defRPr sz="3335">
                 <a:solidFill>
                   <a:schemeClr val="bg1"/>
                 </a:solidFill>
               </a:defRPr>
             </a:lvl3pPr>
-            <a:lvl4pPr marL="1142977" indent="0">
-              <a:buNone/>
-              <a:defRPr sz="3333">
+            <a:lvl4pPr marL="1143000" indent="0">
+              <a:buNone/>
+              <a:defRPr sz="3335">
                 <a:solidFill>
                   <a:schemeClr val="bg1"/>
                 </a:solidFill>
               </a:defRPr>
             </a:lvl4pPr>
-            <a:lvl5pPr marL="1523970" indent="0">
-              <a:buNone/>
-              <a:defRPr sz="3333">
+            <a:lvl5pPr marL="1524000" indent="0">
+              <a:buNone/>
+              <a:defRPr sz="3335">
                 <a:solidFill>
                   <a:schemeClr val="bg1"/>
                 </a:solidFill>
@@ -2542,7 +2472,7 @@
           </a:bodyPr>
           <a:lstStyle>
             <a:lvl1pPr>
-              <a:defRPr sz="2333">
+              <a:defRPr sz="2335">
                 <a:solidFill>
                   <a:schemeClr val="bg1"/>
                 </a:solidFill>
@@ -2556,7 +2486,7 @@
               </a:defRPr>
             </a:lvl2pPr>
             <a:lvl3pPr>
-              <a:defRPr sz="1667">
+              <a:defRPr sz="1665">
                 <a:solidFill>
                   <a:schemeClr val="bg1"/>
                 </a:solidFill>
@@ -2583,6 +2513,7 @@
               <a:rPr lang="en-US" dirty="0"/>
               <a:t>Click to edit Master text styles</a:t>
             </a:r>
+            <a:endParaRPr lang="en-US" dirty="0"/>
           </a:p>
           <a:p>
             <a:pPr lvl="1"/>
@@ -2590,6 +2521,7 @@
               <a:rPr lang="en-US" dirty="0"/>
               <a:t>Second level</a:t>
             </a:r>
+            <a:endParaRPr lang="en-US" dirty="0"/>
           </a:p>
           <a:p>
             <a:pPr lvl="2"/>
@@ -2597,6 +2529,7 @@
               <a:rPr lang="en-US" dirty="0"/>
               <a:t>Third level</a:t>
             </a:r>
+            <a:endParaRPr lang="en-US" dirty="0"/>
           </a:p>
           <a:p>
             <a:pPr lvl="3"/>
@@ -2604,6 +2537,7 @@
               <a:rPr lang="en-US" dirty="0"/>
               <a:t>Fourth level</a:t>
             </a:r>
+            <a:endParaRPr lang="en-US" dirty="0"/>
           </a:p>
           <a:p>
             <a:pPr lvl="4"/>
@@ -2761,39 +2695,39 @@
           <a:lstStyle>
             <a:lvl1pPr marL="0" indent="0">
               <a:buNone/>
-              <a:defRPr sz="3333">
+              <a:defRPr sz="3335">
                 <a:solidFill>
                   <a:schemeClr val="bg1"/>
                 </a:solidFill>
               </a:defRPr>
             </a:lvl1pPr>
-            <a:lvl2pPr marL="380992" indent="0">
-              <a:buNone/>
-              <a:defRPr sz="3333">
+            <a:lvl2pPr marL="381000" indent="0">
+              <a:buNone/>
+              <a:defRPr sz="3335">
                 <a:solidFill>
                   <a:schemeClr val="bg1"/>
                 </a:solidFill>
               </a:defRPr>
             </a:lvl2pPr>
-            <a:lvl3pPr marL="761985" indent="0">
-              <a:buNone/>
-              <a:defRPr sz="3333">
+            <a:lvl3pPr marL="762000" indent="0">
+              <a:buNone/>
+              <a:defRPr sz="3335">
                 <a:solidFill>
                   <a:schemeClr val="bg1"/>
                 </a:solidFill>
               </a:defRPr>
             </a:lvl3pPr>
-            <a:lvl4pPr marL="1142977" indent="0">
-              <a:buNone/>
-              <a:defRPr sz="3333">
+            <a:lvl4pPr marL="1143000" indent="0">
+              <a:buNone/>
+              <a:defRPr sz="3335">
                 <a:solidFill>
                   <a:schemeClr val="bg1"/>
                 </a:solidFill>
               </a:defRPr>
             </a:lvl4pPr>
-            <a:lvl5pPr marL="1523970" indent="0">
-              <a:buNone/>
-              <a:defRPr sz="3333">
+            <a:lvl5pPr marL="1524000" indent="0">
+              <a:buNone/>
+              <a:defRPr sz="3335">
                 <a:solidFill>
                   <a:schemeClr val="bg1"/>
                 </a:solidFill>
@@ -2806,6 +2740,7 @@
               <a:rPr lang="en-US" dirty="0"/>
               <a:t>Click to edit Master text styles</a:t>
             </a:r>
+            <a:endParaRPr lang="en-US" dirty="0"/>
           </a:p>
           <a:p>
             <a:pPr lvl="1"/>
@@ -2813,6 +2748,7 @@
               <a:rPr lang="en-US" dirty="0"/>
               <a:t>Second level</a:t>
             </a:r>
+            <a:endParaRPr lang="en-US" dirty="0"/>
           </a:p>
           <a:p>
             <a:pPr lvl="2"/>
@@ -2820,6 +2756,7 @@
               <a:rPr lang="en-US" dirty="0"/>
               <a:t>Third level</a:t>
             </a:r>
+            <a:endParaRPr lang="en-US" dirty="0"/>
           </a:p>
           <a:p>
             <a:pPr lvl="3"/>
@@ -2827,6 +2764,7 @@
               <a:rPr lang="en-US" dirty="0"/>
               <a:t>Fourth level</a:t>
             </a:r>
+            <a:endParaRPr lang="en-US" dirty="0"/>
           </a:p>
           <a:p>
             <a:pPr lvl="4"/>
@@ -2959,7 +2897,6 @@
           <a:p>
             <a:fld id="{5FE5D985-BC1F-4337-995C-A08BC27D9752}" type="datetimeFigureOut">
               <a:rPr lang="es-AR" smtClean="0"/>
-              <a:t>14/10/2018</a:t>
             </a:fld>
             <a:endParaRPr lang="es-AR"/>
           </a:p>
@@ -3017,7 +2954,6 @@
           <a:p>
             <a:fld id="{978E83EA-3671-4475-93F4-CFBDCD4C1007}" type="slidenum">
               <a:rPr lang="es-AR" smtClean="0"/>
-              <a:t>‹#›</a:t>
             </a:fld>
             <a:endParaRPr lang="es-AR"/>
           </a:p>
@@ -3196,15 +3132,11 @@
               <a:rPr lang="en-US"/>
               <a:t>Edit Master text styles</a:t>
             </a:r>
+            <a:endParaRPr lang="en-US"/>
           </a:p>
         </p:txBody>
       </p:sp>
     </p:spTree>
-    <p:extLst>
-      <p:ext uri="{BB962C8B-B14F-4D97-AF65-F5344CB8AC3E}">
-        <p14:creationId xmlns:p14="http://schemas.microsoft.com/office/powerpoint/2010/main" val="3536063979"/>
-      </p:ext>
-    </p:extLst>
   </p:cSld>
   <p:clrMapOvr>
     <a:masterClrMapping/>
@@ -3277,6 +3209,7 @@
               <a:rPr lang="en-US"/>
               <a:t>Edit Master text styles</a:t>
             </a:r>
+            <a:endParaRPr lang="en-US"/>
           </a:p>
           <a:p>
             <a:pPr lvl="1"/>
@@ -3284,6 +3217,7 @@
               <a:rPr lang="en-US"/>
               <a:t>Second level</a:t>
             </a:r>
+            <a:endParaRPr lang="en-US"/>
           </a:p>
           <a:p>
             <a:pPr lvl="2"/>
@@ -3291,6 +3225,7 @@
               <a:rPr lang="en-US"/>
               <a:t>Third level</a:t>
             </a:r>
+            <a:endParaRPr lang="en-US"/>
           </a:p>
           <a:p>
             <a:pPr lvl="3"/>
@@ -3298,6 +3233,7 @@
               <a:rPr lang="en-US"/>
               <a:t>Fourth level</a:t>
             </a:r>
+            <a:endParaRPr lang="en-US"/>
           </a:p>
           <a:p>
             <a:pPr lvl="4"/>
@@ -3334,6 +3270,7 @@
               <a:rPr lang="en-US"/>
               <a:t>Edit Master text styles</a:t>
             </a:r>
+            <a:endParaRPr lang="en-US"/>
           </a:p>
           <a:p>
             <a:pPr lvl="1"/>
@@ -3341,6 +3278,7 @@
               <a:rPr lang="en-US"/>
               <a:t>Second level</a:t>
             </a:r>
+            <a:endParaRPr lang="en-US"/>
           </a:p>
           <a:p>
             <a:pPr lvl="2"/>
@@ -3348,6 +3286,7 @@
               <a:rPr lang="en-US"/>
               <a:t>Third level</a:t>
             </a:r>
+            <a:endParaRPr lang="en-US"/>
           </a:p>
           <a:p>
             <a:pPr lvl="3"/>
@@ -3355,6 +3294,7 @@
               <a:rPr lang="en-US"/>
               <a:t>Fourth level</a:t>
             </a:r>
+            <a:endParaRPr lang="en-US"/>
           </a:p>
           <a:p>
             <a:pPr lvl="4"/>
@@ -3391,7 +3331,6 @@
           <a:p>
             <a:fld id="{C764DE79-268F-4C1A-8933-263129D2AF90}" type="datetimeFigureOut">
               <a:rPr lang="en-US" dirty="0"/>
-              <a:t>10/14/2018</a:t>
             </a:fld>
             <a:endParaRPr lang="en-US" dirty="0"/>
           </a:p>
@@ -3449,7 +3388,6 @@
           <a:p>
             <a:fld id="{48F63A3B-78C7-47BE-AE5E-E10140E04643}" type="slidenum">
               <a:rPr lang="en-US" dirty="0"/>
-              <a:t>‹#›</a:t>
             </a:fld>
             <a:endParaRPr lang="en-US" dirty="0"/>
           </a:p>
@@ -3457,13 +3395,7 @@
       </p:sp>
       <p:sp>
         <p:nvSpPr>
-          <p:cNvPr id="8" name="Rounded Rectangle 7">
-            <a:extLst>
-              <a:ext uri="{FF2B5EF4-FFF2-40B4-BE49-F238E27FC236}">
-                <a16:creationId xmlns:a16="http://schemas.microsoft.com/office/drawing/2014/main" id="{33422993-8ABF-445E-9C5D-FD1BBC8F952E}"/>
-              </a:ext>
-            </a:extLst>
-          </p:cNvPr>
+          <p:cNvPr id="8" name="Rounded Rectangle 7"/>
           <p:cNvSpPr/>
           <p:nvPr userDrawn="1"/>
         </p:nvSpPr>
@@ -3510,11 +3442,6 @@
         </p:txBody>
       </p:sp>
     </p:spTree>
-    <p:extLst>
-      <p:ext uri="{BB962C8B-B14F-4D97-AF65-F5344CB8AC3E}">
-        <p14:creationId xmlns:p14="http://schemas.microsoft.com/office/powerpoint/2010/main" val="2094756963"/>
-      </p:ext>
-    </p:extLst>
   </p:cSld>
   <p:clrMapOvr>
     <a:masterClrMapping/>
@@ -3629,6 +3556,7 @@
               <a:rPr lang="en-US"/>
               <a:t>Edit Master text styles</a:t>
             </a:r>
+            <a:endParaRPr lang="en-US"/>
           </a:p>
         </p:txBody>
       </p:sp>
@@ -3657,6 +3585,7 @@
               <a:rPr lang="en-US"/>
               <a:t>Edit Master text styles</a:t>
             </a:r>
+            <a:endParaRPr lang="en-US"/>
           </a:p>
           <a:p>
             <a:pPr lvl="1"/>
@@ -3664,6 +3593,7 @@
               <a:rPr lang="en-US"/>
               <a:t>Second level</a:t>
             </a:r>
+            <a:endParaRPr lang="en-US"/>
           </a:p>
           <a:p>
             <a:pPr lvl="2"/>
@@ -3671,6 +3601,7 @@
               <a:rPr lang="en-US"/>
               <a:t>Third level</a:t>
             </a:r>
+            <a:endParaRPr lang="en-US"/>
           </a:p>
           <a:p>
             <a:pPr lvl="3"/>
@@ -3678,6 +3609,7 @@
               <a:rPr lang="en-US"/>
               <a:t>Fourth level</a:t>
             </a:r>
+            <a:endParaRPr lang="en-US"/>
           </a:p>
           <a:p>
             <a:pPr lvl="4"/>
@@ -3751,6 +3683,7 @@
               <a:rPr lang="en-US"/>
               <a:t>Edit Master text styles</a:t>
             </a:r>
+            <a:endParaRPr lang="en-US"/>
           </a:p>
         </p:txBody>
       </p:sp>
@@ -3779,6 +3712,7 @@
               <a:rPr lang="en-US"/>
               <a:t>Edit Master text styles</a:t>
             </a:r>
+            <a:endParaRPr lang="en-US"/>
           </a:p>
           <a:p>
             <a:pPr lvl="1"/>
@@ -3786,6 +3720,7 @@
               <a:rPr lang="en-US"/>
               <a:t>Second level</a:t>
             </a:r>
+            <a:endParaRPr lang="en-US"/>
           </a:p>
           <a:p>
             <a:pPr lvl="2"/>
@@ -3793,6 +3728,7 @@
               <a:rPr lang="en-US"/>
               <a:t>Third level</a:t>
             </a:r>
+            <a:endParaRPr lang="en-US"/>
           </a:p>
           <a:p>
             <a:pPr lvl="3"/>
@@ -3800,6 +3736,7 @@
               <a:rPr lang="en-US"/>
               <a:t>Fourth level</a:t>
             </a:r>
+            <a:endParaRPr lang="en-US"/>
           </a:p>
           <a:p>
             <a:pPr lvl="4"/>
@@ -3836,7 +3773,6 @@
           <a:p>
             <a:fld id="{5FE5D985-BC1F-4337-995C-A08BC27D9752}" type="datetimeFigureOut">
               <a:rPr lang="es-AR" smtClean="0"/>
-              <a:t>14/10/2018</a:t>
             </a:fld>
             <a:endParaRPr lang="es-AR"/>
           </a:p>
@@ -3894,7 +3830,6 @@
           <a:p>
             <a:fld id="{978E83EA-3671-4475-93F4-CFBDCD4C1007}" type="slidenum">
               <a:rPr lang="es-AR" smtClean="0"/>
-              <a:t>‹#›</a:t>
             </a:fld>
             <a:endParaRPr lang="es-AR"/>
           </a:p>
@@ -3902,13 +3837,7 @@
       </p:sp>
       <p:sp>
         <p:nvSpPr>
-          <p:cNvPr id="10" name="Rounded Rectangle 9">
-            <a:extLst>
-              <a:ext uri="{FF2B5EF4-FFF2-40B4-BE49-F238E27FC236}">
-                <a16:creationId xmlns:a16="http://schemas.microsoft.com/office/drawing/2014/main" id="{B47495F9-3286-4B8E-8473-DFB3C18B387A}"/>
-              </a:ext>
-            </a:extLst>
-          </p:cNvPr>
+          <p:cNvPr id="10" name="Rounded Rectangle 9"/>
           <p:cNvSpPr/>
           <p:nvPr userDrawn="1"/>
         </p:nvSpPr>
@@ -3955,11 +3884,6 @@
         </p:txBody>
       </p:sp>
     </p:spTree>
-    <p:extLst>
-      <p:ext uri="{BB962C8B-B14F-4D97-AF65-F5344CB8AC3E}">
-        <p14:creationId xmlns:p14="http://schemas.microsoft.com/office/powerpoint/2010/main" val="1669942994"/>
-      </p:ext>
-    </p:extLst>
   </p:cSld>
   <p:clrMapOvr>
     <a:masterClrMapping/>
@@ -4032,7 +3956,6 @@
           <a:p>
             <a:fld id="{537AE976-010A-4AAB-98A0-551C363228AC}" type="datetimeFigureOut">
               <a:rPr lang="en-US" smtClean="0"/>
-              <a:t>10/14/2018</a:t>
             </a:fld>
             <a:endParaRPr lang="en-US"/>
           </a:p>
@@ -4090,18 +4013,12 @@
           <a:p>
             <a:fld id="{3CEE00CA-6D12-45D0-ACCF-20E685AFFE1B}" type="slidenum">
               <a:rPr lang="en-US" smtClean="0"/>
-              <a:t>‹#›</a:t>
             </a:fld>
             <a:endParaRPr lang="en-US"/>
           </a:p>
         </p:txBody>
       </p:sp>
     </p:spTree>
-    <p:extLst>
-      <p:ext uri="{BB962C8B-B14F-4D97-AF65-F5344CB8AC3E}">
-        <p14:creationId xmlns:p14="http://schemas.microsoft.com/office/powerpoint/2010/main" val="4274393843"/>
-      </p:ext>
-    </p:extLst>
   </p:cSld>
   <p:clrMapOvr>
     <a:masterClrMapping/>
@@ -4151,7 +4068,6 @@
           <a:p>
             <a:fld id="{537AE976-010A-4AAB-98A0-551C363228AC}" type="datetimeFigureOut">
               <a:rPr lang="en-US" smtClean="0"/>
-              <a:t>10/14/2018</a:t>
             </a:fld>
             <a:endParaRPr lang="en-US"/>
           </a:p>
@@ -4209,18 +4125,12 @@
           <a:p>
             <a:fld id="{3CEE00CA-6D12-45D0-ACCF-20E685AFFE1B}" type="slidenum">
               <a:rPr lang="en-US" smtClean="0"/>
-              <a:t>‹#›</a:t>
             </a:fld>
             <a:endParaRPr lang="en-US"/>
           </a:p>
         </p:txBody>
       </p:sp>
     </p:spTree>
-    <p:extLst>
-      <p:ext uri="{BB962C8B-B14F-4D97-AF65-F5344CB8AC3E}">
-        <p14:creationId xmlns:p14="http://schemas.microsoft.com/office/powerpoint/2010/main" val="3310326322"/>
-      </p:ext>
-    </p:extLst>
   </p:cSld>
   <p:clrMapOvr>
     <a:masterClrMapping/>
@@ -4330,6 +4240,7 @@
               <a:rPr lang="en-US"/>
               <a:t>Edit Master text styles</a:t>
             </a:r>
+            <a:endParaRPr lang="en-US"/>
           </a:p>
           <a:p>
             <a:pPr lvl="1"/>
@@ -4337,6 +4248,7 @@
               <a:rPr lang="en-US"/>
               <a:t>Second level</a:t>
             </a:r>
+            <a:endParaRPr lang="en-US"/>
           </a:p>
           <a:p>
             <a:pPr lvl="2"/>
@@ -4344,6 +4256,7 @@
               <a:rPr lang="en-US"/>
               <a:t>Third level</a:t>
             </a:r>
+            <a:endParaRPr lang="en-US"/>
           </a:p>
           <a:p>
             <a:pPr lvl="3"/>
@@ -4351,6 +4264,7 @@
               <a:rPr lang="en-US"/>
               <a:t>Fourth level</a:t>
             </a:r>
+            <a:endParaRPr lang="en-US"/>
           </a:p>
           <a:p>
             <a:pPr lvl="4"/>
@@ -4424,6 +4338,7 @@
               <a:rPr lang="en-US"/>
               <a:t>Edit Master text styles</a:t>
             </a:r>
+            <a:endParaRPr lang="en-US"/>
           </a:p>
         </p:txBody>
       </p:sp>
@@ -4452,7 +4367,6 @@
           <a:p>
             <a:fld id="{5FE5D985-BC1F-4337-995C-A08BC27D9752}" type="datetimeFigureOut">
               <a:rPr lang="es-AR" smtClean="0"/>
-              <a:t>14/10/2018</a:t>
             </a:fld>
             <a:endParaRPr lang="es-AR"/>
           </a:p>
@@ -4510,18 +4424,12 @@
           <a:p>
             <a:fld id="{978E83EA-3671-4475-93F4-CFBDCD4C1007}" type="slidenum">
               <a:rPr lang="es-AR" smtClean="0"/>
-              <a:t>‹#›</a:t>
             </a:fld>
             <a:endParaRPr lang="es-AR"/>
           </a:p>
         </p:txBody>
       </p:sp>
     </p:spTree>
-    <p:extLst>
-      <p:ext uri="{BB962C8B-B14F-4D97-AF65-F5344CB8AC3E}">
-        <p14:creationId xmlns:p14="http://schemas.microsoft.com/office/powerpoint/2010/main" val="3927557278"/>
-      </p:ext>
-    </p:extLst>
   </p:cSld>
   <p:clrMapOvr>
     <a:masterClrMapping/>
@@ -4705,6 +4613,7 @@
               <a:rPr lang="en-US"/>
               <a:t>Edit Master text styles</a:t>
             </a:r>
+            <a:endParaRPr lang="en-US"/>
           </a:p>
         </p:txBody>
       </p:sp>
@@ -4733,7 +4642,6 @@
           <a:p>
             <a:fld id="{5FE5D985-BC1F-4337-995C-A08BC27D9752}" type="datetimeFigureOut">
               <a:rPr lang="es-AR" smtClean="0"/>
-              <a:t>14/10/2018</a:t>
             </a:fld>
             <a:endParaRPr lang="es-AR"/>
           </a:p>
@@ -4791,18 +4699,12 @@
           <a:p>
             <a:fld id="{978E83EA-3671-4475-93F4-CFBDCD4C1007}" type="slidenum">
               <a:rPr lang="es-AR" smtClean="0"/>
-              <a:t>‹#›</a:t>
             </a:fld>
             <a:endParaRPr lang="es-AR"/>
           </a:p>
         </p:txBody>
       </p:sp>
     </p:spTree>
-    <p:extLst>
-      <p:ext uri="{BB962C8B-B14F-4D97-AF65-F5344CB8AC3E}">
-        <p14:creationId xmlns:p14="http://schemas.microsoft.com/office/powerpoint/2010/main" val="822848687"/>
-      </p:ext>
-    </p:extLst>
   </p:cSld>
   <p:clrMapOvr>
     <a:masterClrMapping/>
@@ -4895,6 +4797,7 @@
               <a:rPr lang="en-US"/>
               <a:t>Edit Master text styles</a:t>
             </a:r>
+            <a:endParaRPr lang="en-US"/>
           </a:p>
           <a:p>
             <a:pPr lvl="1"/>
@@ -4902,6 +4805,7 @@
               <a:rPr lang="en-US"/>
               <a:t>Second level</a:t>
             </a:r>
+            <a:endParaRPr lang="en-US"/>
           </a:p>
           <a:p>
             <a:pPr lvl="2"/>
@@ -4909,6 +4813,7 @@
               <a:rPr lang="en-US"/>
               <a:t>Third level</a:t>
             </a:r>
+            <a:endParaRPr lang="en-US"/>
           </a:p>
           <a:p>
             <a:pPr lvl="3"/>
@@ -4916,6 +4821,7 @@
               <a:rPr lang="en-US"/>
               <a:t>Fourth level</a:t>
             </a:r>
+            <a:endParaRPr lang="en-US"/>
           </a:p>
           <a:p>
             <a:pPr lvl="4"/>
@@ -4929,13 +4835,7 @@
       </p:sp>
       <p:sp>
         <p:nvSpPr>
-          <p:cNvPr id="7" name="Rounded Rectangle 3">
-            <a:extLst>
-              <a:ext uri="{FF2B5EF4-FFF2-40B4-BE49-F238E27FC236}">
-                <a16:creationId xmlns:a16="http://schemas.microsoft.com/office/drawing/2014/main" id="{C025D995-C14E-48F2-B25E-A14B76BACB94}"/>
-              </a:ext>
-            </a:extLst>
-          </p:cNvPr>
+          <p:cNvPr id="7" name="Rounded Rectangle 3"/>
           <p:cNvSpPr/>
           <p:nvPr userDrawn="1"/>
         </p:nvSpPr>
@@ -4982,36 +4882,31 @@
         </p:txBody>
       </p:sp>
     </p:spTree>
-    <p:extLst>
-      <p:ext uri="{BB962C8B-B14F-4D97-AF65-F5344CB8AC3E}">
-        <p14:creationId xmlns:p14="http://schemas.microsoft.com/office/powerpoint/2010/main" val="1021877213"/>
-      </p:ext>
-    </p:extLst>
   </p:cSld>
   <p:clrMap bg1="lt1" tx1="dk1" bg2="lt2" tx2="dk2" accent1="accent1" accent2="accent2" accent3="accent3" accent4="accent4" accent5="accent5" accent6="accent6" hlink="hlink" folHlink="folHlink"/>
   <p:sldLayoutIdLst>
-    <p:sldLayoutId id="2147483679" r:id="rId1"/>
-    <p:sldLayoutId id="2147483680" r:id="rId2"/>
-    <p:sldLayoutId id="2147483681" r:id="rId3"/>
-    <p:sldLayoutId id="2147483682" r:id="rId4"/>
-    <p:sldLayoutId id="2147483683" r:id="rId5"/>
-    <p:sldLayoutId id="2147483684" r:id="rId6"/>
-    <p:sldLayoutId id="2147483685" r:id="rId7"/>
-    <p:sldLayoutId id="2147483686" r:id="rId8"/>
-    <p:sldLayoutId id="2147483687" r:id="rId9"/>
-    <p:sldLayoutId id="2147483688" r:id="rId10"/>
-    <p:sldLayoutId id="2147483689" r:id="rId11"/>
-    <p:sldLayoutId id="2147483669" r:id="rId12"/>
-    <p:sldLayoutId id="2147483668" r:id="rId13"/>
-    <p:sldLayoutId id="2147483649" r:id="rId14"/>
-    <p:sldLayoutId id="2147483650" r:id="rId15"/>
-    <p:sldLayoutId id="2147483652" r:id="rId16"/>
-    <p:sldLayoutId id="2147483651" r:id="rId17"/>
-    <p:sldLayoutId id="2147483653" r:id="rId18"/>
-    <p:sldLayoutId id="2147483654" r:id="rId19"/>
-    <p:sldLayoutId id="2147483657" r:id="rId20"/>
-    <p:sldLayoutId id="2147483660" r:id="rId21"/>
-    <p:sldLayoutId id="2147483665" r:id="rId22"/>
+    <p:sldLayoutId id="2147483649" r:id="rId1"/>
+    <p:sldLayoutId id="2147483650" r:id="rId2"/>
+    <p:sldLayoutId id="2147483651" r:id="rId3"/>
+    <p:sldLayoutId id="2147483652" r:id="rId4"/>
+    <p:sldLayoutId id="2147483653" r:id="rId5"/>
+    <p:sldLayoutId id="2147483654" r:id="rId6"/>
+    <p:sldLayoutId id="2147483655" r:id="rId7"/>
+    <p:sldLayoutId id="2147483656" r:id="rId8"/>
+    <p:sldLayoutId id="2147483657" r:id="rId9"/>
+    <p:sldLayoutId id="2147483658" r:id="rId10"/>
+    <p:sldLayoutId id="2147483659" r:id="rId11"/>
+    <p:sldLayoutId id="2147483660" r:id="rId12"/>
+    <p:sldLayoutId id="2147483661" r:id="rId13"/>
+    <p:sldLayoutId id="2147483662" r:id="rId14"/>
+    <p:sldLayoutId id="2147483663" r:id="rId15"/>
+    <p:sldLayoutId id="2147483664" r:id="rId16"/>
+    <p:sldLayoutId id="2147483665" r:id="rId17"/>
+    <p:sldLayoutId id="2147483666" r:id="rId18"/>
+    <p:sldLayoutId id="2147483667" r:id="rId19"/>
+    <p:sldLayoutId id="2147483668" r:id="rId20"/>
+    <p:sldLayoutId id="2147483669" r:id="rId21"/>
+    <p:sldLayoutId id="2147483670" r:id="rId22"/>
   </p:sldLayoutIdLst>
   <p:txStyles>
     <p:titleStyle>
@@ -5027,9 +4922,9 @@
           <a:solidFill>
             <a:schemeClr val="tx1"/>
           </a:solidFill>
-          <a:latin typeface="+mj-lt"/>
+          <a:latin typeface="Gotham Light" charset="0"/>
           <a:ea typeface="+mj-ea"/>
-          <a:cs typeface="+mj-cs"/>
+          <a:cs typeface="Gotham Light" charset="0"/>
         </a:defRPr>
       </a:lvl1pPr>
     </p:titleStyle>
@@ -5041,15 +4936,15 @@
         <a:spcBef>
           <a:spcPts val="750"/>
         </a:spcBef>
-        <a:buFont typeface="Arial" panose="020B0604020202020204" pitchFamily="34" charset="0"/>
+        <a:buFont typeface="Arial" panose="02080604020202020204" pitchFamily="34" charset="0"/>
         <a:buChar char="•"/>
         <a:defRPr sz="2100" kern="1200">
           <a:solidFill>
             <a:schemeClr val="tx1"/>
           </a:solidFill>
-          <a:latin typeface="+mn-lt"/>
+          <a:latin typeface="Gotham Light" charset="0"/>
           <a:ea typeface="+mn-ea"/>
-          <a:cs typeface="+mn-cs"/>
+          <a:cs typeface="Gotham Light" charset="0"/>
         </a:defRPr>
       </a:lvl1pPr>
       <a:lvl2pPr marL="514350" indent="-171450" algn="l" defTabSz="685800" rtl="0" eaLnBrk="1" latinLnBrk="0" hangingPunct="1">
@@ -5059,15 +4954,15 @@
         <a:spcBef>
           <a:spcPts val="375"/>
         </a:spcBef>
-        <a:buFont typeface="Arial" panose="020B0604020202020204" pitchFamily="34" charset="0"/>
+        <a:buFont typeface="Arial" panose="02080604020202020204" pitchFamily="34" charset="0"/>
         <a:buChar char="•"/>
         <a:defRPr sz="1800" kern="1200">
           <a:solidFill>
             <a:schemeClr val="tx1"/>
           </a:solidFill>
-          <a:latin typeface="+mn-lt"/>
+          <a:latin typeface="Gotham Light" charset="0"/>
           <a:ea typeface="+mn-ea"/>
-          <a:cs typeface="+mn-cs"/>
+          <a:cs typeface="Gotham Light" charset="0"/>
         </a:defRPr>
       </a:lvl2pPr>
       <a:lvl3pPr marL="857250" indent="-171450" algn="l" defTabSz="685800" rtl="0" eaLnBrk="1" latinLnBrk="0" hangingPunct="1">
@@ -5077,15 +4972,15 @@
         <a:spcBef>
           <a:spcPts val="375"/>
         </a:spcBef>
-        <a:buFont typeface="Arial" panose="020B0604020202020204" pitchFamily="34" charset="0"/>
+        <a:buFont typeface="Arial" panose="02080604020202020204" pitchFamily="34" charset="0"/>
         <a:buChar char="•"/>
         <a:defRPr sz="1500" kern="1200">
           <a:solidFill>
             <a:schemeClr val="tx1"/>
           </a:solidFill>
-          <a:latin typeface="+mn-lt"/>
+          <a:latin typeface="Gotham Light" charset="0"/>
           <a:ea typeface="+mn-ea"/>
-          <a:cs typeface="+mn-cs"/>
+          <a:cs typeface="Gotham Light" charset="0"/>
         </a:defRPr>
       </a:lvl3pPr>
       <a:lvl4pPr marL="1200150" indent="-171450" algn="l" defTabSz="685800" rtl="0" eaLnBrk="1" latinLnBrk="0" hangingPunct="1">
@@ -5095,15 +4990,15 @@
         <a:spcBef>
           <a:spcPts val="375"/>
         </a:spcBef>
-        <a:buFont typeface="Arial" panose="020B0604020202020204" pitchFamily="34" charset="0"/>
+        <a:buFont typeface="Arial" panose="02080604020202020204" pitchFamily="34" charset="0"/>
         <a:buChar char="•"/>
         <a:defRPr sz="1350" kern="1200">
           <a:solidFill>
             <a:schemeClr val="tx1"/>
           </a:solidFill>
-          <a:latin typeface="+mn-lt"/>
+          <a:latin typeface="Gotham Light" charset="0"/>
           <a:ea typeface="+mn-ea"/>
-          <a:cs typeface="+mn-cs"/>
+          <a:cs typeface="Gotham Light" charset="0"/>
         </a:defRPr>
       </a:lvl4pPr>
       <a:lvl5pPr marL="1543050" indent="-171450" algn="l" defTabSz="685800" rtl="0" eaLnBrk="1" latinLnBrk="0" hangingPunct="1">
@@ -5113,15 +5008,15 @@
         <a:spcBef>
           <a:spcPts val="375"/>
         </a:spcBef>
-        <a:buFont typeface="Arial" panose="020B0604020202020204" pitchFamily="34" charset="0"/>
+        <a:buFont typeface="Arial" panose="02080604020202020204" pitchFamily="34" charset="0"/>
         <a:buChar char="•"/>
         <a:defRPr sz="1350" kern="1200">
           <a:solidFill>
             <a:schemeClr val="tx1"/>
           </a:solidFill>
-          <a:latin typeface="+mn-lt"/>
+          <a:latin typeface="Gotham Light" charset="0"/>
           <a:ea typeface="+mn-ea"/>
-          <a:cs typeface="+mn-cs"/>
+          <a:cs typeface="Gotham Light" charset="0"/>
         </a:defRPr>
       </a:lvl5pPr>
       <a:lvl6pPr marL="1885950" indent="-171450" algn="l" defTabSz="685800" rtl="0" eaLnBrk="1" latinLnBrk="0" hangingPunct="1">
@@ -5131,7 +5026,7 @@
         <a:spcBef>
           <a:spcPts val="375"/>
         </a:spcBef>
-        <a:buFont typeface="Arial" panose="020B0604020202020204" pitchFamily="34" charset="0"/>
+        <a:buFont typeface="Arial" panose="02080604020202020204" pitchFamily="34" charset="0"/>
         <a:buChar char="•"/>
         <a:defRPr sz="1350" kern="1200">
           <a:solidFill>
@@ -5149,7 +5044,7 @@
         <a:spcBef>
           <a:spcPts val="375"/>
         </a:spcBef>
-        <a:buFont typeface="Arial" panose="020B0604020202020204" pitchFamily="34" charset="0"/>
+        <a:buFont typeface="Arial" panose="02080604020202020204" pitchFamily="34" charset="0"/>
         <a:buChar char="•"/>
         <a:defRPr sz="1350" kern="1200">
           <a:solidFill>
@@ -5167,7 +5062,7 @@
         <a:spcBef>
           <a:spcPts val="375"/>
         </a:spcBef>
-        <a:buFont typeface="Arial" panose="020B0604020202020204" pitchFamily="34" charset="0"/>
+        <a:buFont typeface="Arial" panose="02080604020202020204" pitchFamily="34" charset="0"/>
         <a:buChar char="•"/>
         <a:defRPr sz="1350" kern="1200">
           <a:solidFill>
@@ -5185,7 +5080,7 @@
         <a:spcBef>
           <a:spcPts val="375"/>
         </a:spcBef>
-        <a:buFont typeface="Arial" panose="020B0604020202020204" pitchFamily="34" charset="0"/>
+        <a:buFont typeface="Arial" panose="02080604020202020204" pitchFamily="34" charset="0"/>
         <a:buChar char="•"/>
         <a:defRPr sz="1350" kern="1200">
           <a:solidFill>
@@ -5315,60 +5210,310 @@
       </p:grpSpPr>
       <p:sp>
         <p:nvSpPr>
-          <p:cNvPr id="2" name="Title 1">
+          <p:cNvPr id="6" name="Title 5"/>
+          <p:cNvSpPr>
+            <a:spLocks noGrp="1"/>
+          </p:cNvSpPr>
+          <p:nvPr>
+            <p:ph type="ctrTitle"/>
+          </p:nvPr>
+        </p:nvSpPr>
+        <p:spPr/>
+        <p:txBody>
+          <a:bodyPr/>
+          <a:p>
+            <a:r>
+              <a:rPr lang="" altLang="en-US"/>
+              <a:t>Si te gusta la estadística</a:t>
+            </a:r>
+            <a:br>
+              <a:rPr lang="" altLang="en-US"/>
+            </a:br>
+            <a:r>
+              <a:rPr lang="" altLang="en-US"/>
+              <a:t>bancate los </a:t>
+            </a:r>
+            <a:r>
+              <a:rPr lang="" altLang="en-US" b="1"/>
+              <a:t>metámeros</a:t>
+            </a:r>
+            <a:endParaRPr lang="" altLang="en-US" b="1"/>
+          </a:p>
+        </p:txBody>
+      </p:sp>
+      <p:sp>
+        <p:nvSpPr>
+          <p:cNvPr id="4" name="Text Placeholder 3"/>
+          <p:cNvSpPr>
+            <a:spLocks noGrp="1"/>
+          </p:cNvSpPr>
+          <p:nvPr>
+            <p:ph type="body" sz="quarter" idx="10"/>
+          </p:nvPr>
+        </p:nvSpPr>
+        <p:spPr/>
+        <p:txBody>
+          <a:bodyPr/>
+          <a:p>
+            <a:r>
+              <a:rPr lang="" altLang="en-US"/>
+              <a:t>Elio Campitelli</a:t>
+            </a:r>
+            <a:endParaRPr lang="" altLang="en-US"/>
+          </a:p>
+        </p:txBody>
+      </p:sp>
+      <p:sp>
+        <p:nvSpPr>
+          <p:cNvPr id="7" name="Text Placeholder 2"/>
+          <p:cNvSpPr txBox="1"/>
+          <p:nvPr/>
+        </p:nvSpPr>
+        <p:spPr>
+          <a:xfrm>
+            <a:off x="6228819" y="4517798"/>
+            <a:ext cx="2376264" cy="871670"/>
+          </a:xfrm>
+          <a:prstGeom prst="rect">
+            <a:avLst/>
+          </a:prstGeom>
+        </p:spPr>
+        <p:txBody>
+          <a:bodyPr vert="horz" lIns="91440" tIns="45720" rIns="91440" bIns="45720" rtlCol="0">
+            <a:noAutofit/>
+          </a:bodyPr>
+          <a:lstStyle>
+            <a:lvl1pPr marL="635" indent="0" algn="r" defTabSz="685800" rtl="0" eaLnBrk="1" latinLnBrk="0" hangingPunct="1">
+              <a:spcBef>
+                <a:spcPct val="15000"/>
+              </a:spcBef>
+              <a:buFont typeface="Arial" panose="02080604020202020204" pitchFamily="34" charset="0"/>
+              <a:buNone/>
+              <a:defRPr sz="2400" kern="1200">
+                <a:solidFill>
+                  <a:schemeClr val="tx1"/>
+                </a:solidFill>
+                <a:latin typeface="+mn-lt"/>
+                <a:ea typeface="+mn-ea"/>
+                <a:cs typeface="+mn-cs"/>
+              </a:defRPr>
+            </a:lvl1pPr>
+            <a:lvl2pPr marL="557530" indent="-213995" algn="l" defTabSz="685800" rtl="0" eaLnBrk="1" latinLnBrk="0" hangingPunct="1">
+              <a:spcBef>
+                <a:spcPct val="15000"/>
+              </a:spcBef>
+              <a:buFont typeface="Arial" panose="02080604020202020204" pitchFamily="34" charset="0"/>
+              <a:buChar char="–"/>
+              <a:defRPr sz="2100" kern="1200">
+                <a:solidFill>
+                  <a:schemeClr val="tx1"/>
+                </a:solidFill>
+                <a:latin typeface="Gotham Black" charset="0"/>
+                <a:ea typeface="+mn-ea"/>
+                <a:cs typeface="+mn-cs"/>
+              </a:defRPr>
+            </a:lvl2pPr>
+            <a:lvl3pPr marL="857250" indent="-170815" algn="l" defTabSz="685800" rtl="0" eaLnBrk="1" latinLnBrk="0" hangingPunct="1">
+              <a:spcBef>
+                <a:spcPct val="15000"/>
+              </a:spcBef>
+              <a:buFont typeface="Arial" panose="02080604020202020204" pitchFamily="34" charset="0"/>
+              <a:buChar char="•"/>
+              <a:defRPr sz="1800" kern="1200">
+                <a:solidFill>
+                  <a:schemeClr val="tx1"/>
+                </a:solidFill>
+                <a:latin typeface="Gotham Black" charset="0"/>
+                <a:ea typeface="+mn-ea"/>
+                <a:cs typeface="+mn-cs"/>
+              </a:defRPr>
+            </a:lvl3pPr>
+            <a:lvl4pPr marL="1200150" indent="-170815" algn="l" defTabSz="685800" rtl="0" eaLnBrk="1" latinLnBrk="0" hangingPunct="1">
+              <a:spcBef>
+                <a:spcPct val="15000"/>
+              </a:spcBef>
+              <a:buFont typeface="Arial" panose="02080604020202020204" pitchFamily="34" charset="0"/>
+              <a:buChar char="–"/>
+              <a:defRPr sz="1500" kern="1200">
+                <a:solidFill>
+                  <a:schemeClr val="tx1"/>
+                </a:solidFill>
+                <a:latin typeface="Gotham Black" charset="0"/>
+                <a:ea typeface="+mn-ea"/>
+                <a:cs typeface="+mn-cs"/>
+              </a:defRPr>
+            </a:lvl4pPr>
+            <a:lvl5pPr marL="1543050" indent="-170815" algn="l" defTabSz="685800" rtl="0" eaLnBrk="1" latinLnBrk="0" hangingPunct="1">
+              <a:spcBef>
+                <a:spcPct val="15000"/>
+              </a:spcBef>
+              <a:buFont typeface="Arial" panose="02080604020202020204" pitchFamily="34" charset="0"/>
+              <a:buChar char="»"/>
+              <a:defRPr sz="1500" kern="1200">
+                <a:solidFill>
+                  <a:schemeClr val="tx1"/>
+                </a:solidFill>
+                <a:latin typeface="Gotham Black" charset="0"/>
+                <a:ea typeface="+mn-ea"/>
+                <a:cs typeface="+mn-cs"/>
+              </a:defRPr>
+            </a:lvl5pPr>
+            <a:lvl6pPr marL="1886585" indent="-170815" algn="l" defTabSz="685800" rtl="0" eaLnBrk="1" latinLnBrk="0" hangingPunct="1">
+              <a:spcBef>
+                <a:spcPct val="15000"/>
+              </a:spcBef>
+              <a:buFont typeface="Arial" panose="02080604020202020204" pitchFamily="34" charset="0"/>
+              <a:buChar char="•"/>
+              <a:defRPr sz="1500" kern="1200">
+                <a:solidFill>
+                  <a:schemeClr val="tx1"/>
+                </a:solidFill>
+                <a:latin typeface="+mn-lt"/>
+                <a:ea typeface="+mn-ea"/>
+                <a:cs typeface="+mn-cs"/>
+              </a:defRPr>
+            </a:lvl6pPr>
+            <a:lvl7pPr marL="2229485" indent="-170815" algn="l" defTabSz="685800" rtl="0" eaLnBrk="1" latinLnBrk="0" hangingPunct="1">
+              <a:spcBef>
+                <a:spcPct val="15000"/>
+              </a:spcBef>
+              <a:buFont typeface="Arial" panose="02080604020202020204" pitchFamily="34" charset="0"/>
+              <a:buChar char="•"/>
+              <a:defRPr sz="1500" kern="1200">
+                <a:solidFill>
+                  <a:schemeClr val="tx1"/>
+                </a:solidFill>
+                <a:latin typeface="+mn-lt"/>
+                <a:ea typeface="+mn-ea"/>
+                <a:cs typeface="+mn-cs"/>
+              </a:defRPr>
+            </a:lvl7pPr>
+            <a:lvl8pPr marL="2572385" indent="-170815" algn="l" defTabSz="685800" rtl="0" eaLnBrk="1" latinLnBrk="0" hangingPunct="1">
+              <a:spcBef>
+                <a:spcPct val="15000"/>
+              </a:spcBef>
+              <a:buFont typeface="Arial" panose="02080604020202020204" pitchFamily="34" charset="0"/>
+              <a:buChar char="•"/>
+              <a:defRPr sz="1500" kern="1200">
+                <a:solidFill>
+                  <a:schemeClr val="tx1"/>
+                </a:solidFill>
+                <a:latin typeface="+mn-lt"/>
+                <a:ea typeface="+mn-ea"/>
+                <a:cs typeface="+mn-cs"/>
+              </a:defRPr>
+            </a:lvl8pPr>
+            <a:lvl9pPr marL="2915285" indent="-170815" algn="l" defTabSz="685800" rtl="0" eaLnBrk="1" latinLnBrk="0" hangingPunct="1">
+              <a:spcBef>
+                <a:spcPct val="15000"/>
+              </a:spcBef>
+              <a:buFont typeface="Arial" panose="02080604020202020204" pitchFamily="34" charset="0"/>
+              <a:buChar char="•"/>
+              <a:defRPr sz="1500" kern="1200">
+                <a:solidFill>
+                  <a:schemeClr val="tx1"/>
+                </a:solidFill>
+                <a:latin typeface="+mn-lt"/>
+                <a:ea typeface="+mn-ea"/>
+                <a:cs typeface="+mn-cs"/>
+              </a:defRPr>
+            </a:lvl9pPr>
+          </a:lstStyle>
+          <a:p>
+            <a:r>
+              <a:rPr lang="en-GB" sz="2000" dirty="0">
+                <a:latin typeface="Font Awesome 5 Brands Regular" panose="02000503000000000000" pitchFamily="50" charset="0"/>
+              </a:rPr>
+              <a:t></a:t>
+            </a:r>
+            <a:r>
+              <a:rPr lang="en-GB" sz="2000" dirty="0">
+                <a:solidFill>
+                  <a:srgbClr val="08A0E9"/>
+                </a:solidFill>
+                <a:latin typeface="Font Awesome 5 Brands Regular" panose="02000503000000000000" pitchFamily="50" charset="0"/>
+              </a:rPr>
+              <a:t> </a:t>
+            </a:r>
+            <a:r>
+              <a:rPr lang="en-GB" sz="2000" dirty="0" err="1">
+                <a:latin typeface="Fira Code" panose="020B0609050000020004" pitchFamily="49" charset="0"/>
+                <a:cs typeface="Fira Code" panose="020B0609050000020004" pitchFamily="49" charset="0"/>
+              </a:rPr>
+              <a:t>eliocamp</a:t>
+            </a:r>
+            <a:endParaRPr lang="en-GB" sz="2000" dirty="0"/>
+          </a:p>
+          <a:p>
+            <a:r>
+              <a:rPr lang="en-GB" sz="2000" dirty="0">
+                <a:solidFill>
+                  <a:srgbClr val="08A0E9"/>
+                </a:solidFill>
+                <a:latin typeface="Font Awesome 5 Brands Regular" panose="02000503000000000000" pitchFamily="50" charset="0"/>
+              </a:rPr>
+              <a:t></a:t>
+            </a:r>
+            <a:r>
+              <a:rPr lang="en-GB" sz="2000" dirty="0">
+                <a:solidFill>
+                  <a:srgbClr val="08A0E9"/>
+                </a:solidFill>
+                <a:latin typeface="Gotham Book" pitchFamily="50" charset="0"/>
+              </a:rPr>
+              <a:t> </a:t>
+            </a:r>
+            <a:r>
+              <a:rPr lang="en-GB" sz="2000" dirty="0" err="1">
+                <a:latin typeface="Fira Code" panose="020B0609050000020004" pitchFamily="49" charset="0"/>
+                <a:cs typeface="Fira Code" panose="020B0609050000020004" pitchFamily="49" charset="0"/>
+              </a:rPr>
+              <a:t>d_olivaw</a:t>
+            </a:r>
+            <a:endParaRPr lang="en-GB" sz="2000" dirty="0">
+              <a:latin typeface="Fira Code" panose="020B0609050000020004" pitchFamily="49" charset="0"/>
+              <a:cs typeface="Fira Code" panose="020B0609050000020004" pitchFamily="49" charset="0"/>
+            </a:endParaRPr>
+          </a:p>
+          <a:p>
+            <a:endParaRPr lang="en-GB" sz="2000" dirty="0">
+              <a:latin typeface="Fira Code" panose="020B0609050000020004" pitchFamily="49" charset="0"/>
+              <a:cs typeface="Fira Code" panose="020B0609050000020004" pitchFamily="49" charset="0"/>
+            </a:endParaRPr>
+          </a:p>
+        </p:txBody>
+      </p:sp>
+      <p:pic>
+        <p:nvPicPr>
+          <p:cNvPr id="8" name="Picture 7"/>
+          <p:cNvPicPr>
+            <a:picLocks noChangeAspect="1"/>
+          </p:cNvPicPr>
+          <p:nvPr/>
+        </p:nvPicPr>
+        <p:blipFill>
+          <a:blip r:embed="rId1">
             <a:extLst>
-              <a:ext uri="{FF2B5EF4-FFF2-40B4-BE49-F238E27FC236}">
-                <a16:creationId xmlns:a16="http://schemas.microsoft.com/office/drawing/2014/main" id="{61B5AD3F-3F9B-4B32-9322-A5240A8A6A35}"/>
+              <a:ext uri="{28A0092B-C50C-407E-A947-70E740481C1C}">
+                <a14:useLocalDpi xmlns:a14="http://schemas.microsoft.com/office/drawing/2010/main" val="0"/>
               </a:ext>
             </a:extLst>
-          </p:cNvPr>
-          <p:cNvSpPr>
-            <a:spLocks noGrp="1"/>
-          </p:cNvSpPr>
-          <p:nvPr>
-            <p:ph type="ctrTitle"/>
-          </p:nvPr>
-        </p:nvSpPr>
-        <p:spPr/>
-        <p:txBody>
-          <a:bodyPr/>
-          <a:lstStyle/>
-          <a:p>
-            <a:endParaRPr lang="en-US"/>
-          </a:p>
-        </p:txBody>
-      </p:sp>
-      <p:sp>
-        <p:nvSpPr>
-          <p:cNvPr id="3" name="Subtitle 2">
-            <a:extLst>
-              <a:ext uri="{FF2B5EF4-FFF2-40B4-BE49-F238E27FC236}">
-                <a16:creationId xmlns:a16="http://schemas.microsoft.com/office/drawing/2014/main" id="{A83216A0-652D-4EA0-8E57-B676C21D22D3}"/>
-              </a:ext>
-            </a:extLst>
-          </p:cNvPr>
-          <p:cNvSpPr>
-            <a:spLocks noGrp="1"/>
-          </p:cNvSpPr>
-          <p:nvPr>
-            <p:ph type="subTitle" idx="1"/>
-          </p:nvPr>
-        </p:nvSpPr>
-        <p:spPr/>
-        <p:txBody>
-          <a:bodyPr/>
-          <a:lstStyle/>
-          <a:p>
-            <a:endParaRPr lang="en-US"/>
-          </a:p>
-        </p:txBody>
-      </p:sp>
+          </a:blip>
+          <a:stretch>
+            <a:fillRect/>
+          </a:stretch>
+        </p:blipFill>
+        <p:spPr>
+          <a:xfrm>
+            <a:off x="5796771" y="4424623"/>
+            <a:ext cx="1023632" cy="966763"/>
+          </a:xfrm>
+          <a:prstGeom prst="rect">
+            <a:avLst/>
+          </a:prstGeom>
+        </p:spPr>
+      </p:pic>
     </p:spTree>
-    <p:extLst>
-      <p:ext uri="{BB962C8B-B14F-4D97-AF65-F5344CB8AC3E}">
-        <p14:creationId xmlns:p14="http://schemas.microsoft.com/office/powerpoint/2010/main" val="2213736862"/>
-      </p:ext>
-    </p:extLst>
   </p:cSld>
   <p:clrMapOvr>
     <a:masterClrMapping/>
@@ -5419,7 +5564,7 @@
     </a:clrScheme>
     <a:fontScheme name="Office Theme">
       <a:majorFont>
-        <a:latin typeface="Calibri Light" panose="020F0302020204030204"/>
+        <a:latin typeface="Calibri Light"/>
         <a:ea typeface=""/>
         <a:cs typeface=""/>
         <a:font script="Jpan" typeface="游ゴシック Light"/>
@@ -5454,7 +5599,7 @@
         <a:font script="Geor" typeface="Sylfaen"/>
       </a:majorFont>
       <a:minorFont>
-        <a:latin typeface="Calibri" panose="020F0502020204030204"/>
+        <a:latin typeface="Calibri"/>
         <a:ea typeface=""/>
         <a:cs typeface=""/>
         <a:font script="Jpan" typeface="游ゴシック"/>
@@ -5627,8 +5772,6 @@
       </a:bgFillStyleLst>
     </a:fmtScheme>
   </a:themeElements>
-  <a:objectDefaults/>
-  <a:extraClrSchemeLst/>
   <a:extLst>
     <a:ext uri="{05A4C25C-085E-4340-85A3-A5531E510DB2}">
       <thm15:themeFamily xmlns:thm15="http://schemas.microsoft.com/office/thememl/2012/main" name="Office Theme" id="{62F939B6-93AF-4DB8-9C6B-D6C7DFDC589F}" vid="{4A3C46E8-61CC-4603-A589-7422A47A8E4A}"/>
@@ -5917,8 +6060,6 @@
       </a:bgFillStyleLst>
     </a:fmtScheme>
   </a:themeElements>
-  <a:objectDefaults/>
-  <a:extraClrSchemeLst/>
   <a:extLst>
     <a:ext uri="{05A4C25C-085E-4340-85A3-A5531E510DB2}">
       <thm15:themeFamily xmlns:thm15="http://schemas.microsoft.com/office/thememl/2012/main" name="Office Theme" id="{62F939B6-93AF-4DB8-9C6B-D6C7DFDC589F}" vid="{4A3C46E8-61CC-4603-A589-7422A47A8E4A}"/>
@@ -6207,8 +6348,6 @@
       </a:bgFillStyleLst>
     </a:fmtScheme>
   </a:themeElements>
-  <a:objectDefaults/>
-  <a:extraClrSchemeLst/>
   <a:extLst>
     <a:ext uri="{05A4C25C-085E-4340-85A3-A5531E510DB2}">
       <thm15:themeFamily xmlns:thm15="http://schemas.microsoft.com/office/thememl/2012/main" name="Office Theme" id="{62F939B6-93AF-4DB8-9C6B-D6C7DFDC589F}" vid="{4A3C46E8-61CC-4603-A589-7422A47A8E4A}"/>
